--- a/SITE MAP.pptx
+++ b/SITE MAP.pptx
@@ -6,9 +6,12 @@
   </p:sldMasterIdLst>
   <p:sldIdLst>
     <p:sldId id="256" r:id="rId2"/>
-    <p:sldId id="257" r:id="rId3"/>
-    <p:sldId id="258" r:id="rId4"/>
-    <p:sldId id="259" r:id="rId5"/>
+    <p:sldId id="259" r:id="rId3"/>
+    <p:sldId id="260" r:id="rId4"/>
+    <p:sldId id="261" r:id="rId5"/>
+    <p:sldId id="262" r:id="rId6"/>
+    <p:sldId id="263" r:id="rId7"/>
+    <p:sldId id="264" r:id="rId8"/>
   </p:sldIdLst>
   <p:sldSz cx="12192000" cy="6858000"/>
   <p:notesSz cx="6858000" cy="9144000"/>
@@ -246,7 +249,7 @@
           <a:p>
             <a:fld id="{498EDF61-4FBB-4B3C-ABFE-8DDAD2B075F9}" type="datetimeFigureOut">
               <a:rPr lang="en-PH" smtClean="0"/>
-              <a:t>25/08/2023</a:t>
+              <a:t>26/08/2023</a:t>
             </a:fld>
             <a:endParaRPr lang="en-PH"/>
           </a:p>
@@ -416,7 +419,7 @@
           <a:p>
             <a:fld id="{498EDF61-4FBB-4B3C-ABFE-8DDAD2B075F9}" type="datetimeFigureOut">
               <a:rPr lang="en-PH" smtClean="0"/>
-              <a:t>25/08/2023</a:t>
+              <a:t>26/08/2023</a:t>
             </a:fld>
             <a:endParaRPr lang="en-PH"/>
           </a:p>
@@ -596,7 +599,7 @@
           <a:p>
             <a:fld id="{498EDF61-4FBB-4B3C-ABFE-8DDAD2B075F9}" type="datetimeFigureOut">
               <a:rPr lang="en-PH" smtClean="0"/>
-              <a:t>25/08/2023</a:t>
+              <a:t>26/08/2023</a:t>
             </a:fld>
             <a:endParaRPr lang="en-PH"/>
           </a:p>
@@ -766,7 +769,7 @@
           <a:p>
             <a:fld id="{498EDF61-4FBB-4B3C-ABFE-8DDAD2B075F9}" type="datetimeFigureOut">
               <a:rPr lang="en-PH" smtClean="0"/>
-              <a:t>25/08/2023</a:t>
+              <a:t>26/08/2023</a:t>
             </a:fld>
             <a:endParaRPr lang="en-PH"/>
           </a:p>
@@ -1012,7 +1015,7 @@
           <a:p>
             <a:fld id="{498EDF61-4FBB-4B3C-ABFE-8DDAD2B075F9}" type="datetimeFigureOut">
               <a:rPr lang="en-PH" smtClean="0"/>
-              <a:t>25/08/2023</a:t>
+              <a:t>26/08/2023</a:t>
             </a:fld>
             <a:endParaRPr lang="en-PH"/>
           </a:p>
@@ -1244,7 +1247,7 @@
           <a:p>
             <a:fld id="{498EDF61-4FBB-4B3C-ABFE-8DDAD2B075F9}" type="datetimeFigureOut">
               <a:rPr lang="en-PH" smtClean="0"/>
-              <a:t>25/08/2023</a:t>
+              <a:t>26/08/2023</a:t>
             </a:fld>
             <a:endParaRPr lang="en-PH"/>
           </a:p>
@@ -1611,7 +1614,7 @@
           <a:p>
             <a:fld id="{498EDF61-4FBB-4B3C-ABFE-8DDAD2B075F9}" type="datetimeFigureOut">
               <a:rPr lang="en-PH" smtClean="0"/>
-              <a:t>25/08/2023</a:t>
+              <a:t>26/08/2023</a:t>
             </a:fld>
             <a:endParaRPr lang="en-PH"/>
           </a:p>
@@ -1729,7 +1732,7 @@
           <a:p>
             <a:fld id="{498EDF61-4FBB-4B3C-ABFE-8DDAD2B075F9}" type="datetimeFigureOut">
               <a:rPr lang="en-PH" smtClean="0"/>
-              <a:t>25/08/2023</a:t>
+              <a:t>26/08/2023</a:t>
             </a:fld>
             <a:endParaRPr lang="en-PH"/>
           </a:p>
@@ -1824,7 +1827,7 @@
           <a:p>
             <a:fld id="{498EDF61-4FBB-4B3C-ABFE-8DDAD2B075F9}" type="datetimeFigureOut">
               <a:rPr lang="en-PH" smtClean="0"/>
-              <a:t>25/08/2023</a:t>
+              <a:t>26/08/2023</a:t>
             </a:fld>
             <a:endParaRPr lang="en-PH"/>
           </a:p>
@@ -2101,7 +2104,7 @@
           <a:p>
             <a:fld id="{498EDF61-4FBB-4B3C-ABFE-8DDAD2B075F9}" type="datetimeFigureOut">
               <a:rPr lang="en-PH" smtClean="0"/>
-              <a:t>25/08/2023</a:t>
+              <a:t>26/08/2023</a:t>
             </a:fld>
             <a:endParaRPr lang="en-PH"/>
           </a:p>
@@ -2354,7 +2357,7 @@
           <a:p>
             <a:fld id="{498EDF61-4FBB-4B3C-ABFE-8DDAD2B075F9}" type="datetimeFigureOut">
               <a:rPr lang="en-PH" smtClean="0"/>
-              <a:t>25/08/2023</a:t>
+              <a:t>26/08/2023</a:t>
             </a:fld>
             <a:endParaRPr lang="en-PH"/>
           </a:p>
@@ -2567,7 +2570,7 @@
           <a:p>
             <a:fld id="{498EDF61-4FBB-4B3C-ABFE-8DDAD2B075F9}" type="datetimeFigureOut">
               <a:rPr lang="en-PH" smtClean="0"/>
-              <a:t>25/08/2023</a:t>
+              <a:t>26/08/2023</a:t>
             </a:fld>
             <a:endParaRPr lang="en-PH"/>
           </a:p>
@@ -2980,7 +2983,7 @@
         </p:nvSpPr>
         <p:spPr>
           <a:xfrm>
-            <a:off x="5116931" y="254622"/>
+            <a:off x="5172701" y="351556"/>
             <a:ext cx="1613988" cy="646331"/>
           </a:xfrm>
           <a:prstGeom prst="rect">
@@ -2997,7 +3000,7 @@
             <a:r>
               <a:rPr lang="en-US" sz="3600" b="1" dirty="0" smtClean="0">
                 <a:solidFill>
-                  <a:srgbClr val="FF9494"/>
+                  <a:srgbClr val="798776"/>
                 </a:solidFill>
               </a:rPr>
               <a:t>Forest</a:t>
@@ -3024,7 +3027,7 @@
           </a:prstGeom>
           <a:ln w="76200">
             <a:solidFill>
-              <a:srgbClr val="FF9494"/>
+              <a:srgbClr val="798776"/>
             </a:solidFill>
           </a:ln>
         </p:spPr>
@@ -3059,7 +3062,7 @@
           </a:prstGeom>
           <a:ln w="76200">
             <a:solidFill>
-              <a:srgbClr val="FF9494"/>
+              <a:srgbClr val="798776"/>
             </a:solidFill>
           </a:ln>
         </p:spPr>
@@ -3094,7 +3097,7 @@
           </a:prstGeom>
           <a:ln w="76200">
             <a:solidFill>
-              <a:srgbClr val="FF9494"/>
+              <a:srgbClr val="798776"/>
             </a:solidFill>
           </a:ln>
         </p:spPr>
@@ -3128,8 +3131,11 @@
             <a:avLst/>
           </a:prstGeom>
           <a:solidFill>
-            <a:srgbClr val="FF9494"/>
+            <a:srgbClr val="798776"/>
           </a:solidFill>
+          <a:ln>
+            <a:noFill/>
+          </a:ln>
         </p:spPr>
         <p:style>
           <a:lnRef idx="2">
@@ -3170,21 +3176,24 @@
       </p:sp>
       <p:sp>
         <p:nvSpPr>
-          <p:cNvPr id="7" name="Rectangle 6"/>
+          <p:cNvPr id="9" name="Rectangle 8"/>
           <p:cNvSpPr/>
           <p:nvPr/>
         </p:nvSpPr>
         <p:spPr>
           <a:xfrm>
-            <a:off x="4938963" y="2352174"/>
+            <a:off x="4938963" y="984902"/>
             <a:ext cx="2081464" cy="733926"/>
           </a:xfrm>
           <a:prstGeom prst="rect">
             <a:avLst/>
           </a:prstGeom>
           <a:solidFill>
-            <a:srgbClr val="FF9494"/>
+            <a:srgbClr val="798776"/>
           </a:solidFill>
+          <a:ln>
+            <a:noFill/>
+          </a:ln>
         </p:spPr>
         <p:style>
           <a:lnRef idx="2">
@@ -3213,7 +3222,7 @@
                   <a:srgbClr val="FFE3E0"/>
                 </a:solidFill>
               </a:rPr>
-              <a:t>Visit Us</a:t>
+              <a:t>HOME</a:t>
             </a:r>
             <a:endParaRPr lang="en-PH" dirty="0">
               <a:solidFill>
@@ -3223,23 +3232,61 @@
           </a:p>
         </p:txBody>
       </p:sp>
-      <p:sp>
-        <p:nvSpPr>
-          <p:cNvPr id="9" name="Rectangle 8"/>
+      <p:cxnSp>
+        <p:nvCxnSpPr>
+          <p:cNvPr id="33" name="Straight Connector 32"/>
+          <p:cNvCxnSpPr/>
+          <p:nvPr/>
+        </p:nvCxnSpPr>
+        <p:spPr>
+          <a:xfrm>
+            <a:off x="3086745" y="2946094"/>
+            <a:ext cx="0" cy="633346"/>
+          </a:xfrm>
+          <a:prstGeom prst="line">
+            <a:avLst/>
+          </a:prstGeom>
+          <a:ln w="76200">
+            <a:solidFill>
+              <a:srgbClr val="798776"/>
+            </a:solidFill>
+          </a:ln>
+        </p:spPr>
+        <p:style>
+          <a:lnRef idx="1">
+            <a:schemeClr val="accent1"/>
+          </a:lnRef>
+          <a:fillRef idx="0">
+            <a:schemeClr val="accent1"/>
+          </a:fillRef>
+          <a:effectRef idx="0">
+            <a:schemeClr val="accent1"/>
+          </a:effectRef>
+          <a:fontRef idx="minor">
+            <a:schemeClr val="tx1"/>
+          </a:fontRef>
+        </p:style>
+      </p:cxnSp>
+      <p:sp>
+        <p:nvSpPr>
+          <p:cNvPr id="34" name="Rectangle 33"/>
           <p:cNvSpPr/>
           <p:nvPr/>
         </p:nvSpPr>
         <p:spPr>
           <a:xfrm>
-            <a:off x="4938963" y="984902"/>
+            <a:off x="2070183" y="3578728"/>
             <a:ext cx="2081464" cy="733926"/>
           </a:xfrm>
           <a:prstGeom prst="rect">
             <a:avLst/>
           </a:prstGeom>
           <a:solidFill>
-            <a:srgbClr val="FF9494"/>
+            <a:srgbClr val="798776"/>
           </a:solidFill>
+          <a:ln>
+            <a:noFill/>
+          </a:ln>
         </p:spPr>
         <p:style>
           <a:lnRef idx="2">
@@ -3268,7 +3315,7 @@
                   <a:srgbClr val="FFE3E0"/>
                 </a:solidFill>
               </a:rPr>
-              <a:t>HOME</a:t>
+              <a:t>Our story</a:t>
             </a:r>
             <a:endParaRPr lang="en-PH" dirty="0">
               <a:solidFill>
@@ -3278,58 +3325,26 @@
           </a:p>
         </p:txBody>
       </p:sp>
-      <p:cxnSp>
-        <p:nvCxnSpPr>
-          <p:cNvPr id="33" name="Straight Connector 32"/>
-          <p:cNvCxnSpPr/>
-          <p:nvPr/>
-        </p:nvCxnSpPr>
-        <p:spPr>
-          <a:xfrm>
-            <a:off x="3086745" y="2946094"/>
-            <a:ext cx="0" cy="633346"/>
-          </a:xfrm>
-          <a:prstGeom prst="line">
-            <a:avLst/>
-          </a:prstGeom>
-          <a:ln w="76200">
-            <a:solidFill>
-              <a:srgbClr val="FF9494"/>
-            </a:solidFill>
+      <p:sp>
+        <p:nvSpPr>
+          <p:cNvPr id="8" name="Rectangle 7"/>
+          <p:cNvSpPr/>
+          <p:nvPr/>
+        </p:nvSpPr>
+        <p:spPr>
+          <a:xfrm>
+            <a:off x="2070183" y="2342517"/>
+            <a:ext cx="2081464" cy="733926"/>
+          </a:xfrm>
+          <a:prstGeom prst="rect">
+            <a:avLst/>
+          </a:prstGeom>
+          <a:solidFill>
+            <a:srgbClr val="798776"/>
+          </a:solidFill>
+          <a:ln>
+            <a:noFill/>
           </a:ln>
-        </p:spPr>
-        <p:style>
-          <a:lnRef idx="1">
-            <a:schemeClr val="accent1"/>
-          </a:lnRef>
-          <a:fillRef idx="0">
-            <a:schemeClr val="accent1"/>
-          </a:fillRef>
-          <a:effectRef idx="0">
-            <a:schemeClr val="accent1"/>
-          </a:effectRef>
-          <a:fontRef idx="minor">
-            <a:schemeClr val="tx1"/>
-          </a:fontRef>
-        </p:style>
-      </p:cxnSp>
-      <p:sp>
-        <p:nvSpPr>
-          <p:cNvPr id="34" name="Rectangle 33"/>
-          <p:cNvSpPr/>
-          <p:nvPr/>
-        </p:nvSpPr>
-        <p:spPr>
-          <a:xfrm>
-            <a:off x="2070183" y="3578728"/>
-            <a:ext cx="2081464" cy="733926"/>
-          </a:xfrm>
-          <a:prstGeom prst="rect">
-            <a:avLst/>
-          </a:prstGeom>
-          <a:solidFill>
-            <a:srgbClr val="FF9494"/>
-          </a:solidFill>
         </p:spPr>
         <p:style>
           <a:lnRef idx="2">
@@ -3358,7 +3373,7 @@
                   <a:srgbClr val="FFE3E0"/>
                 </a:solidFill>
               </a:rPr>
-              <a:t>Our story</a:t>
+              <a:t>ABOUT US</a:t>
             </a:r>
             <a:endParaRPr lang="en-PH" dirty="0">
               <a:solidFill>
@@ -3368,23 +3383,61 @@
           </a:p>
         </p:txBody>
       </p:sp>
-      <p:sp>
-        <p:nvSpPr>
-          <p:cNvPr id="8" name="Rectangle 7"/>
+      <p:cxnSp>
+        <p:nvCxnSpPr>
+          <p:cNvPr id="35" name="Straight Connector 34"/>
+          <p:cNvCxnSpPr/>
+          <p:nvPr/>
+        </p:nvCxnSpPr>
+        <p:spPr>
+          <a:xfrm>
+            <a:off x="5933627" y="2946094"/>
+            <a:ext cx="0" cy="633346"/>
+          </a:xfrm>
+          <a:prstGeom prst="line">
+            <a:avLst/>
+          </a:prstGeom>
+          <a:ln w="76200">
+            <a:solidFill>
+              <a:srgbClr val="798776"/>
+            </a:solidFill>
+          </a:ln>
+        </p:spPr>
+        <p:style>
+          <a:lnRef idx="1">
+            <a:schemeClr val="accent1"/>
+          </a:lnRef>
+          <a:fillRef idx="0">
+            <a:schemeClr val="accent1"/>
+          </a:fillRef>
+          <a:effectRef idx="0">
+            <a:schemeClr val="accent1"/>
+          </a:effectRef>
+          <a:fontRef idx="minor">
+            <a:schemeClr val="tx1"/>
+          </a:fontRef>
+        </p:style>
+      </p:cxnSp>
+      <p:sp>
+        <p:nvSpPr>
+          <p:cNvPr id="36" name="Rectangle 35"/>
           <p:cNvSpPr/>
           <p:nvPr/>
         </p:nvSpPr>
         <p:spPr>
           <a:xfrm>
-            <a:off x="2070183" y="2342517"/>
+            <a:off x="4938963" y="3578728"/>
             <a:ext cx="2081464" cy="733926"/>
           </a:xfrm>
           <a:prstGeom prst="rect">
             <a:avLst/>
           </a:prstGeom>
           <a:solidFill>
-            <a:srgbClr val="FF9494"/>
+            <a:srgbClr val="798776"/>
           </a:solidFill>
+          <a:ln>
+            <a:noFill/>
+          </a:ln>
         </p:spPr>
         <p:style>
           <a:lnRef idx="2">
@@ -3413,7 +3466,7 @@
                   <a:srgbClr val="FFE3E0"/>
                 </a:solidFill>
               </a:rPr>
-              <a:t>ABOUT US</a:t>
+              <a:t>Galleries</a:t>
             </a:r>
             <a:endParaRPr lang="en-PH" dirty="0">
               <a:solidFill>
@@ -3423,58 +3476,140 @@
           </a:p>
         </p:txBody>
       </p:sp>
-      <p:cxnSp>
-        <p:nvCxnSpPr>
-          <p:cNvPr id="35" name="Straight Connector 34"/>
-          <p:cNvCxnSpPr/>
-          <p:nvPr/>
-        </p:nvCxnSpPr>
-        <p:spPr>
-          <a:xfrm>
-            <a:off x="5933627" y="2946094"/>
-            <a:ext cx="0" cy="633346"/>
-          </a:xfrm>
-          <a:prstGeom prst="line">
-            <a:avLst/>
-          </a:prstGeom>
-          <a:ln w="76200">
-            <a:solidFill>
-              <a:srgbClr val="FF9494"/>
-            </a:solidFill>
+      <p:sp>
+        <p:nvSpPr>
+          <p:cNvPr id="2" name="TextBox 1"/>
+          <p:cNvSpPr txBox="1"/>
+          <p:nvPr/>
+        </p:nvSpPr>
+        <p:spPr>
+          <a:xfrm>
+            <a:off x="7125064" y="1167199"/>
+            <a:ext cx="1519627" cy="369332"/>
+          </a:xfrm>
+          <a:prstGeom prst="rect">
+            <a:avLst/>
+          </a:prstGeom>
+          <a:noFill/>
+        </p:spPr>
+        <p:txBody>
+          <a:bodyPr wrap="square" rtlCol="0">
+            <a:spAutoFit/>
+          </a:bodyPr>
+          <a:lstStyle/>
+          <a:p>
+            <a:r>
+              <a:rPr lang="en-US" dirty="0" smtClean="0">
+                <a:solidFill>
+                  <a:srgbClr val="798776"/>
+                </a:solidFill>
+              </a:rPr>
+              <a:t>FAHB</a:t>
+            </a:r>
+            <a:endParaRPr lang="en-PH" dirty="0">
+              <a:solidFill>
+                <a:srgbClr val="798776"/>
+              </a:solidFill>
+            </a:endParaRPr>
+          </a:p>
+        </p:txBody>
+      </p:sp>
+      <p:sp>
+        <p:nvSpPr>
+          <p:cNvPr id="40" name="TextBox 39"/>
+          <p:cNvSpPr txBox="1"/>
+          <p:nvPr/>
+        </p:nvSpPr>
+        <p:spPr>
+          <a:xfrm>
+            <a:off x="2786230" y="1999191"/>
+            <a:ext cx="1519627" cy="369332"/>
+          </a:xfrm>
+          <a:prstGeom prst="rect">
+            <a:avLst/>
+          </a:prstGeom>
+          <a:noFill/>
+        </p:spPr>
+        <p:txBody>
+          <a:bodyPr wrap="square" rtlCol="0">
+            <a:spAutoFit/>
+          </a:bodyPr>
+          <a:lstStyle/>
+          <a:p>
+            <a:r>
+              <a:rPr lang="en-US" dirty="0" smtClean="0">
+                <a:solidFill>
+                  <a:srgbClr val="798776"/>
+                </a:solidFill>
+              </a:rPr>
+              <a:t>Joy</a:t>
+            </a:r>
+            <a:endParaRPr lang="en-PH" dirty="0">
+              <a:solidFill>
+                <a:srgbClr val="798776"/>
+              </a:solidFill>
+            </a:endParaRPr>
+          </a:p>
+        </p:txBody>
+      </p:sp>
+      <p:sp>
+        <p:nvSpPr>
+          <p:cNvPr id="43" name="TextBox 42"/>
+          <p:cNvSpPr txBox="1"/>
+          <p:nvPr/>
+        </p:nvSpPr>
+        <p:spPr>
+          <a:xfrm>
+            <a:off x="6057580" y="2026790"/>
+            <a:ext cx="1519627" cy="369332"/>
+          </a:xfrm>
+          <a:prstGeom prst="rect">
+            <a:avLst/>
+          </a:prstGeom>
+          <a:noFill/>
+        </p:spPr>
+        <p:txBody>
+          <a:bodyPr wrap="square" rtlCol="0">
+            <a:spAutoFit/>
+          </a:bodyPr>
+          <a:lstStyle/>
+          <a:p>
+            <a:r>
+              <a:rPr lang="en-US" dirty="0" smtClean="0">
+                <a:solidFill>
+                  <a:srgbClr val="798776"/>
+                </a:solidFill>
+              </a:rPr>
+              <a:t>FAHB</a:t>
+            </a:r>
+            <a:endParaRPr lang="en-PH" dirty="0">
+              <a:solidFill>
+                <a:srgbClr val="798776"/>
+              </a:solidFill>
+            </a:endParaRPr>
+          </a:p>
+        </p:txBody>
+      </p:sp>
+      <p:sp>
+        <p:nvSpPr>
+          <p:cNvPr id="7" name="Rectangle 6"/>
+          <p:cNvSpPr/>
+          <p:nvPr/>
+        </p:nvSpPr>
+        <p:spPr>
+          <a:xfrm>
+            <a:off x="4938963" y="2352174"/>
+            <a:ext cx="2081464" cy="733926"/>
+          </a:xfrm>
+          <a:prstGeom prst="rect">
+            <a:avLst/>
+          </a:prstGeom>
+          <a:solidFill>
+            <a:srgbClr val="798776"/>
+          </a:solidFill>
+          <a:ln>
+            <a:noFill/>
           </a:ln>
-        </p:spPr>
-        <p:style>
-          <a:lnRef idx="1">
-            <a:schemeClr val="accent1"/>
-          </a:lnRef>
-          <a:fillRef idx="0">
-            <a:schemeClr val="accent1"/>
-          </a:fillRef>
-          <a:effectRef idx="0">
-            <a:schemeClr val="accent1"/>
-          </a:effectRef>
-          <a:fontRef idx="minor">
-            <a:schemeClr val="tx1"/>
-          </a:fontRef>
-        </p:style>
-      </p:cxnSp>
-      <p:sp>
-        <p:nvSpPr>
-          <p:cNvPr id="36" name="Rectangle 35"/>
-          <p:cNvSpPr/>
-          <p:nvPr/>
-        </p:nvSpPr>
-        <p:spPr>
-          <a:xfrm>
-            <a:off x="4938963" y="3578728"/>
-            <a:ext cx="2081464" cy="733926"/>
-          </a:xfrm>
-          <a:prstGeom prst="rect">
-            <a:avLst/>
-          </a:prstGeom>
-          <a:solidFill>
-            <a:srgbClr val="FF9494"/>
-          </a:solidFill>
         </p:spPr>
         <p:style>
           <a:lnRef idx="2">
@@ -3503,103 +3638,13 @@
                   <a:srgbClr val="FFE3E0"/>
                 </a:solidFill>
               </a:rPr>
-              <a:t>Galleries</a:t>
+              <a:t>Visit Us</a:t>
             </a:r>
             <a:endParaRPr lang="en-PH" dirty="0">
               <a:solidFill>
                 <a:srgbClr val="FFE3E0"/>
               </a:solidFill>
             </a:endParaRPr>
-          </a:p>
-        </p:txBody>
-      </p:sp>
-      <p:sp>
-        <p:nvSpPr>
-          <p:cNvPr id="2" name="TextBox 1"/>
-          <p:cNvSpPr txBox="1"/>
-          <p:nvPr/>
-        </p:nvSpPr>
-        <p:spPr>
-          <a:xfrm>
-            <a:off x="7379230" y="1167199"/>
-            <a:ext cx="1519627" cy="369332"/>
-          </a:xfrm>
-          <a:prstGeom prst="rect">
-            <a:avLst/>
-          </a:prstGeom>
-          <a:noFill/>
-        </p:spPr>
-        <p:txBody>
-          <a:bodyPr wrap="square" rtlCol="0">
-            <a:spAutoFit/>
-          </a:bodyPr>
-          <a:lstStyle/>
-          <a:p>
-            <a:r>
-              <a:rPr lang="en-US" dirty="0" smtClean="0"/>
-              <a:t>FAHB</a:t>
-            </a:r>
-            <a:endParaRPr lang="en-PH" dirty="0"/>
-          </a:p>
-        </p:txBody>
-      </p:sp>
-      <p:sp>
-        <p:nvSpPr>
-          <p:cNvPr id="40" name="TextBox 39"/>
-          <p:cNvSpPr txBox="1"/>
-          <p:nvPr/>
-        </p:nvSpPr>
-        <p:spPr>
-          <a:xfrm>
-            <a:off x="954921" y="2576762"/>
-            <a:ext cx="1519627" cy="369332"/>
-          </a:xfrm>
-          <a:prstGeom prst="rect">
-            <a:avLst/>
-          </a:prstGeom>
-          <a:noFill/>
-        </p:spPr>
-        <p:txBody>
-          <a:bodyPr wrap="square" rtlCol="0">
-            <a:spAutoFit/>
-          </a:bodyPr>
-          <a:lstStyle/>
-          <a:p>
-            <a:r>
-              <a:rPr lang="en-US" smtClean="0"/>
-              <a:t>Joy</a:t>
-            </a:r>
-            <a:endParaRPr lang="en-PH" dirty="0"/>
-          </a:p>
-        </p:txBody>
-      </p:sp>
-      <p:sp>
-        <p:nvSpPr>
-          <p:cNvPr id="43" name="TextBox 42"/>
-          <p:cNvSpPr txBox="1"/>
-          <p:nvPr/>
-        </p:nvSpPr>
-        <p:spPr>
-          <a:xfrm>
-            <a:off x="1103534" y="3761025"/>
-            <a:ext cx="1519627" cy="369332"/>
-          </a:xfrm>
-          <a:prstGeom prst="rect">
-            <a:avLst/>
-          </a:prstGeom>
-          <a:noFill/>
-        </p:spPr>
-        <p:txBody>
-          <a:bodyPr wrap="square" rtlCol="0">
-            <a:spAutoFit/>
-          </a:bodyPr>
-          <a:lstStyle/>
-          <a:p>
-            <a:r>
-              <a:rPr lang="en-US" dirty="0" smtClean="0"/>
-              <a:t>FAHB</a:t>
-            </a:r>
-            <a:endParaRPr lang="en-PH" dirty="0"/>
           </a:p>
         </p:txBody>
       </p:sp>
@@ -3640,16 +3685,282 @@
           <a:chExt cx="0" cy="0"/>
         </a:xfrm>
       </p:grpSpPr>
-      <p:sp>
-        <p:nvSpPr>
-          <p:cNvPr id="4" name="TextBox 3"/>
+      <p:pic>
+        <p:nvPicPr>
+          <p:cNvPr id="4" name="Picture 3"/>
+          <p:cNvPicPr>
+            <a:picLocks noChangeAspect="1"/>
+          </p:cNvPicPr>
+          <p:nvPr/>
+        </p:nvPicPr>
+        <p:blipFill>
+          <a:blip r:embed="rId2"/>
+          <a:stretch>
+            <a:fillRect/>
+          </a:stretch>
+        </p:blipFill>
+        <p:spPr>
+          <a:xfrm>
+            <a:off x="8182555" y="1221851"/>
+            <a:ext cx="3810000" cy="3810000"/>
+          </a:xfrm>
+          <a:prstGeom prst="rect">
+            <a:avLst/>
+          </a:prstGeom>
+        </p:spPr>
+      </p:pic>
+      <p:sp>
+        <p:nvSpPr>
+          <p:cNvPr id="5" name="Rectangle 4"/>
+          <p:cNvSpPr/>
+          <p:nvPr/>
+        </p:nvSpPr>
+        <p:spPr>
+          <a:xfrm>
+            <a:off x="174929" y="485030"/>
+            <a:ext cx="7625301" cy="5780598"/>
+          </a:xfrm>
+          <a:prstGeom prst="rect">
+            <a:avLst/>
+          </a:prstGeom>
+          <a:solidFill>
+            <a:srgbClr val="BED2B7"/>
+          </a:solidFill>
+          <a:ln>
+            <a:noFill/>
+          </a:ln>
+        </p:spPr>
+        <p:style>
+          <a:lnRef idx="2">
+            <a:schemeClr val="accent1">
+              <a:shade val="50000"/>
+            </a:schemeClr>
+          </a:lnRef>
+          <a:fillRef idx="1">
+            <a:schemeClr val="accent1"/>
+          </a:fillRef>
+          <a:effectRef idx="0">
+            <a:schemeClr val="accent1"/>
+          </a:effectRef>
+          <a:fontRef idx="minor">
+            <a:schemeClr val="lt1"/>
+          </a:fontRef>
+        </p:style>
+        <p:txBody>
+          <a:bodyPr rtlCol="0" anchor="ctr"/>
+          <a:lstStyle/>
+          <a:p>
+            <a:pPr algn="ctr"/>
+            <a:endParaRPr lang="en-PH"/>
+          </a:p>
+        </p:txBody>
+      </p:sp>
+      <p:sp>
+        <p:nvSpPr>
+          <p:cNvPr id="7" name="Rectangle 6"/>
+          <p:cNvSpPr/>
+          <p:nvPr/>
+        </p:nvSpPr>
+        <p:spPr>
+          <a:xfrm>
+            <a:off x="182880" y="492981"/>
+            <a:ext cx="7617350" cy="728870"/>
+          </a:xfrm>
+          <a:prstGeom prst="rect">
+            <a:avLst/>
+          </a:prstGeom>
+          <a:solidFill>
+            <a:srgbClr val="798776"/>
+          </a:solidFill>
+          <a:ln>
+            <a:noFill/>
+          </a:ln>
+        </p:spPr>
+        <p:style>
+          <a:lnRef idx="2">
+            <a:schemeClr val="accent1">
+              <a:shade val="50000"/>
+            </a:schemeClr>
+          </a:lnRef>
+          <a:fillRef idx="1">
+            <a:schemeClr val="accent1"/>
+          </a:fillRef>
+          <a:effectRef idx="0">
+            <a:schemeClr val="accent1"/>
+          </a:effectRef>
+          <a:fontRef idx="minor">
+            <a:schemeClr val="lt1"/>
+          </a:fontRef>
+        </p:style>
+        <p:txBody>
+          <a:bodyPr rtlCol="0" anchor="ctr"/>
+          <a:lstStyle/>
+          <a:p>
+            <a:pPr algn="ctr"/>
+            <a:r>
+              <a:rPr lang="en-US" dirty="0" smtClean="0"/>
+              <a:t>ABOUT US                VISIT US                  PROJECTS</a:t>
+            </a:r>
+            <a:endParaRPr lang="en-PH" dirty="0"/>
+          </a:p>
+        </p:txBody>
+      </p:sp>
+      <p:sp>
+        <p:nvSpPr>
+          <p:cNvPr id="8" name="Rectangle 7"/>
+          <p:cNvSpPr/>
+          <p:nvPr/>
+        </p:nvSpPr>
+        <p:spPr>
+          <a:xfrm>
+            <a:off x="182880" y="5536758"/>
+            <a:ext cx="7617350" cy="728870"/>
+          </a:xfrm>
+          <a:prstGeom prst="rect">
+            <a:avLst/>
+          </a:prstGeom>
+          <a:solidFill>
+            <a:srgbClr val="798776"/>
+          </a:solidFill>
+          <a:ln>
+            <a:noFill/>
+          </a:ln>
+        </p:spPr>
+        <p:style>
+          <a:lnRef idx="2">
+            <a:schemeClr val="accent1">
+              <a:shade val="50000"/>
+            </a:schemeClr>
+          </a:lnRef>
+          <a:fillRef idx="1">
+            <a:schemeClr val="accent1"/>
+          </a:fillRef>
+          <a:effectRef idx="0">
+            <a:schemeClr val="accent1"/>
+          </a:effectRef>
+          <a:fontRef idx="minor">
+            <a:schemeClr val="lt1"/>
+          </a:fontRef>
+        </p:style>
+        <p:txBody>
+          <a:bodyPr rtlCol="0" anchor="ctr"/>
+          <a:lstStyle/>
+          <a:p>
+            <a:pPr algn="ctr"/>
+            <a:endParaRPr lang="en-PH"/>
+          </a:p>
+        </p:txBody>
+      </p:sp>
+      <p:sp>
+        <p:nvSpPr>
+          <p:cNvPr id="10" name="Rectangle 9"/>
+          <p:cNvSpPr/>
+          <p:nvPr/>
+        </p:nvSpPr>
+        <p:spPr>
+          <a:xfrm>
+            <a:off x="262393" y="580445"/>
+            <a:ext cx="882595" cy="532738"/>
+          </a:xfrm>
+          <a:prstGeom prst="rect">
+            <a:avLst/>
+          </a:prstGeom>
+          <a:solidFill>
+            <a:srgbClr val="BED2B7"/>
+          </a:solidFill>
+          <a:ln>
+            <a:noFill/>
+          </a:ln>
+        </p:spPr>
+        <p:style>
+          <a:lnRef idx="2">
+            <a:schemeClr val="accent1">
+              <a:shade val="50000"/>
+            </a:schemeClr>
+          </a:lnRef>
+          <a:fillRef idx="1">
+            <a:schemeClr val="accent1"/>
+          </a:fillRef>
+          <a:effectRef idx="0">
+            <a:schemeClr val="accent1"/>
+          </a:effectRef>
+          <a:fontRef idx="minor">
+            <a:schemeClr val="lt1"/>
+          </a:fontRef>
+        </p:style>
+        <p:txBody>
+          <a:bodyPr rtlCol="0" anchor="ctr"/>
+          <a:lstStyle/>
+          <a:p>
+            <a:pPr algn="ctr"/>
+            <a:r>
+              <a:rPr lang="en-US" dirty="0" smtClean="0"/>
+              <a:t>LOGO</a:t>
+            </a:r>
+            <a:endParaRPr lang="en-PH" dirty="0"/>
+          </a:p>
+        </p:txBody>
+      </p:sp>
+      <p:sp>
+        <p:nvSpPr>
+          <p:cNvPr id="11" name="Rectangle 10"/>
+          <p:cNvSpPr/>
+          <p:nvPr/>
+        </p:nvSpPr>
+        <p:spPr>
+          <a:xfrm>
+            <a:off x="262393" y="1280160"/>
+            <a:ext cx="7458324" cy="2107096"/>
+          </a:xfrm>
+          <a:prstGeom prst="rect">
+            <a:avLst/>
+          </a:prstGeom>
+          <a:solidFill>
+            <a:srgbClr val="798776"/>
+          </a:solidFill>
+          <a:ln>
+            <a:noFill/>
+          </a:ln>
+        </p:spPr>
+        <p:style>
+          <a:lnRef idx="2">
+            <a:schemeClr val="accent1">
+              <a:shade val="50000"/>
+            </a:schemeClr>
+          </a:lnRef>
+          <a:fillRef idx="1">
+            <a:schemeClr val="accent1"/>
+          </a:fillRef>
+          <a:effectRef idx="0">
+            <a:schemeClr val="accent1"/>
+          </a:effectRef>
+          <a:fontRef idx="minor">
+            <a:schemeClr val="lt1"/>
+          </a:fontRef>
+        </p:style>
+        <p:txBody>
+          <a:bodyPr rtlCol="0" anchor="ctr"/>
+          <a:lstStyle/>
+          <a:p>
+            <a:pPr algn="ctr"/>
+            <a:r>
+              <a:rPr lang="en-US" dirty="0" smtClean="0"/>
+              <a:t>3 pictures showcasing the view of forest (carousel)</a:t>
+            </a:r>
+            <a:endParaRPr lang="en-PH" dirty="0"/>
+          </a:p>
+        </p:txBody>
+      </p:sp>
+      <p:sp>
+        <p:nvSpPr>
+          <p:cNvPr id="2" name="TextBox 1"/>
           <p:cNvSpPr txBox="1"/>
           <p:nvPr/>
         </p:nvSpPr>
         <p:spPr>
           <a:xfrm>
-            <a:off x="312918" y="200031"/>
-            <a:ext cx="11546985" cy="5632311"/>
+            <a:off x="8476087" y="1964376"/>
+            <a:ext cx="978025" cy="369332"/>
           </a:xfrm>
           <a:prstGeom prst="rect">
             <a:avLst/>
@@ -3657,186 +3968,148 @@
           <a:noFill/>
         </p:spPr>
         <p:txBody>
-          <a:bodyPr wrap="square" rtlCol="0">
+          <a:bodyPr wrap="none" rtlCol="0">
             <a:spAutoFit/>
           </a:bodyPr>
           <a:lstStyle/>
           <a:p>
             <a:r>
-              <a:rPr lang="en-PH" b="1" dirty="0">
-                <a:solidFill>
-                  <a:schemeClr val="accent6">
-                    <a:lumMod val="50000"/>
-                  </a:schemeClr>
-                </a:solidFill>
+              <a:rPr lang="en-PH" dirty="0" smtClean="0">
+                <a:effectLst>
+                  <a:glow rad="127000">
+                    <a:schemeClr val="bg1"/>
+                  </a:glow>
+                </a:effectLst>
               </a:rPr>
-              <a:t>About Us</a:t>
+              <a:t>#FAF1E4</a:t>
             </a:r>
             <a:endParaRPr lang="en-PH" dirty="0">
-              <a:solidFill>
-                <a:schemeClr val="accent6">
-                  <a:lumMod val="50000"/>
-                </a:schemeClr>
-              </a:solidFill>
+              <a:effectLst>
+                <a:glow rad="127000">
+                  <a:schemeClr val="bg1"/>
+                </a:glow>
+              </a:effectLst>
             </a:endParaRPr>
           </a:p>
+        </p:txBody>
+      </p:sp>
+      <p:sp>
+        <p:nvSpPr>
+          <p:cNvPr id="9" name="TextBox 8"/>
+          <p:cNvSpPr txBox="1"/>
+          <p:nvPr/>
+        </p:nvSpPr>
+        <p:spPr>
+          <a:xfrm>
+            <a:off x="8476088" y="3017924"/>
+            <a:ext cx="1058303" cy="369332"/>
+          </a:xfrm>
+          <a:prstGeom prst="rect">
+            <a:avLst/>
+          </a:prstGeom>
+          <a:noFill/>
+        </p:spPr>
+        <p:txBody>
+          <a:bodyPr wrap="none" rtlCol="0">
+            <a:spAutoFit/>
+          </a:bodyPr>
+          <a:lstStyle/>
           <a:p>
             <a:r>
               <a:rPr lang="en-PH" dirty="0">
-                <a:solidFill>
-                  <a:schemeClr val="accent6">
-                    <a:lumMod val="50000"/>
-                  </a:schemeClr>
-                </a:solidFill>
+                <a:effectLst>
+                  <a:glow rad="127000">
+                    <a:schemeClr val="bg1"/>
+                  </a:glow>
+                </a:effectLst>
               </a:rPr>
-              <a:t>Brief introduction to your local forest, its history, and significance.</a:t>
-            </a:r>
-          </a:p>
+              <a:t>#CEDEBD</a:t>
+            </a:r>
+          </a:p>
+        </p:txBody>
+      </p:sp>
+      <p:sp>
+        <p:nvSpPr>
+          <p:cNvPr id="12" name="TextBox 11"/>
+          <p:cNvSpPr txBox="1"/>
+          <p:nvPr/>
+        </p:nvSpPr>
+        <p:spPr>
+          <a:xfrm>
+            <a:off x="8476088" y="3881562"/>
+            <a:ext cx="1005403" cy="369332"/>
+          </a:xfrm>
+          <a:prstGeom prst="rect">
+            <a:avLst/>
+          </a:prstGeom>
+          <a:noFill/>
+          <a:effectLst>
+            <a:glow rad="63500">
+              <a:schemeClr val="accent1">
+                <a:satMod val="175000"/>
+                <a:alpha val="40000"/>
+              </a:schemeClr>
+            </a:glow>
+          </a:effectLst>
+        </p:spPr>
+        <p:txBody>
+          <a:bodyPr wrap="none" rtlCol="0">
+            <a:spAutoFit/>
+          </a:bodyPr>
+          <a:lstStyle/>
           <a:p>
             <a:r>
               <a:rPr lang="en-PH" dirty="0">
-                <a:solidFill>
-                  <a:schemeClr val="accent6">
-                    <a:lumMod val="50000"/>
-                  </a:schemeClr>
-                </a:solidFill>
+                <a:effectLst>
+                  <a:glow rad="127000">
+                    <a:schemeClr val="bg1"/>
+                  </a:glow>
+                </a:effectLst>
               </a:rPr>
-              <a:t>Mission and vision statement</a:t>
-            </a:r>
-            <a:r>
-              <a:rPr lang="en-PH" dirty="0" smtClean="0">
-                <a:solidFill>
-                  <a:schemeClr val="accent6">
-                    <a:lumMod val="50000"/>
-                  </a:schemeClr>
-                </a:solidFill>
+              <a:t>#9EB384</a:t>
+            </a:r>
+          </a:p>
+        </p:txBody>
+      </p:sp>
+      <p:sp>
+        <p:nvSpPr>
+          <p:cNvPr id="13" name="TextBox 12"/>
+          <p:cNvSpPr txBox="1"/>
+          <p:nvPr/>
+        </p:nvSpPr>
+        <p:spPr>
+          <a:xfrm>
+            <a:off x="8476088" y="4531120"/>
+            <a:ext cx="1002197" cy="369332"/>
+          </a:xfrm>
+          <a:prstGeom prst="rect">
+            <a:avLst/>
+          </a:prstGeom>
+          <a:noFill/>
+        </p:spPr>
+        <p:txBody>
+          <a:bodyPr wrap="none" rtlCol="0">
+            <a:spAutoFit/>
+          </a:bodyPr>
+          <a:lstStyle/>
+          <a:p>
+            <a:r>
+              <a:rPr lang="en-PH" dirty="0">
+                <a:effectLst>
+                  <a:glow rad="127000">
+                    <a:schemeClr val="bg1"/>
+                  </a:glow>
+                </a:effectLst>
               </a:rPr>
-              <a:t>.</a:t>
-            </a:r>
-          </a:p>
-          <a:p>
-            <a:endParaRPr lang="en-US" dirty="0">
-              <a:solidFill>
-                <a:schemeClr val="accent6">
-                  <a:lumMod val="50000"/>
-                </a:schemeClr>
-              </a:solidFill>
-            </a:endParaRPr>
-          </a:p>
-          <a:p>
-            <a:r>
-              <a:rPr lang="en-PH" b="1" dirty="0"/>
-              <a:t>Visit Us</a:t>
-            </a:r>
-            <a:endParaRPr lang="en-PH" dirty="0"/>
-          </a:p>
-          <a:p>
-            <a:r>
-              <a:rPr lang="en-PH" dirty="0"/>
-              <a:t>Information on how to reach the forest (including a map).</a:t>
-            </a:r>
-          </a:p>
-          <a:p>
-            <a:r>
-              <a:rPr lang="en-PH" dirty="0"/>
-              <a:t>Hours of operation.</a:t>
-            </a:r>
-          </a:p>
-          <a:p>
-            <a:r>
-              <a:rPr lang="en-PH" dirty="0"/>
-              <a:t>Admission fees (if applicable).</a:t>
-            </a:r>
-          </a:p>
-          <a:p>
-            <a:r>
-              <a:rPr lang="en-PH" dirty="0"/>
-              <a:t>Parking and facilities</a:t>
-            </a:r>
-            <a:r>
-              <a:rPr lang="en-PH" dirty="0" smtClean="0"/>
-              <a:t>.</a:t>
-            </a:r>
-          </a:p>
-          <a:p>
-            <a:endParaRPr lang="en-US" dirty="0"/>
-          </a:p>
-          <a:p>
-            <a:r>
-              <a:rPr lang="en-PH" b="1" dirty="0"/>
-              <a:t>Contact Us Page:</a:t>
-            </a:r>
-            <a:endParaRPr lang="en-PH" dirty="0"/>
-          </a:p>
-          <a:p>
-            <a:r>
-              <a:rPr lang="en-PH" b="1" dirty="0"/>
-              <a:t>Contact Information</a:t>
-            </a:r>
-            <a:endParaRPr lang="en-PH" dirty="0"/>
-          </a:p>
-          <a:p>
-            <a:pPr lvl="1"/>
-            <a:r>
-              <a:rPr lang="en-PH" dirty="0"/>
-              <a:t>Mailing address, phone number, and email.</a:t>
-            </a:r>
-          </a:p>
-          <a:p>
-            <a:r>
-              <a:rPr lang="en-PH" b="1" dirty="0"/>
-              <a:t>Feedback Form</a:t>
-            </a:r>
-            <a:endParaRPr lang="en-PH" dirty="0"/>
-          </a:p>
-          <a:p>
-            <a:pPr lvl="1"/>
-            <a:r>
-              <a:rPr lang="en-PH" dirty="0"/>
-              <a:t>A form for visitors to submit feedback, questions, or inquiries.</a:t>
-            </a:r>
-          </a:p>
-          <a:p>
-            <a:r>
-              <a:rPr lang="en-PH" b="1" dirty="0"/>
-              <a:t>Social Media Links</a:t>
-            </a:r>
-            <a:endParaRPr lang="en-PH" dirty="0"/>
-          </a:p>
-          <a:p>
-            <a:pPr lvl="1"/>
-            <a:r>
-              <a:rPr lang="en-PH" dirty="0"/>
-              <a:t>Links to your forest's social media profiles (Facebook, Instagram, Twitter).</a:t>
-            </a:r>
-          </a:p>
-          <a:p>
-            <a:endParaRPr lang="en-PH" dirty="0" smtClean="0"/>
-          </a:p>
-          <a:p>
-            <a:endParaRPr lang="en-PH" dirty="0" smtClean="0">
-              <a:solidFill>
-                <a:schemeClr val="accent6">
-                  <a:lumMod val="50000"/>
-                </a:schemeClr>
-              </a:solidFill>
-            </a:endParaRPr>
-          </a:p>
-          <a:p>
-            <a:endParaRPr lang="en-PH" dirty="0">
-              <a:solidFill>
-                <a:schemeClr val="accent6">
-                  <a:lumMod val="50000"/>
-                </a:schemeClr>
-              </a:solidFill>
-            </a:endParaRPr>
+              <a:t>#435334</a:t>
+            </a:r>
           </a:p>
         </p:txBody>
       </p:sp>
     </p:spTree>
     <p:extLst>
       <p:ext uri="{BB962C8B-B14F-4D97-AF65-F5344CB8AC3E}">
-        <p14:creationId xmlns:p14="http://schemas.microsoft.com/office/powerpoint/2010/main" val="1046402934"/>
+        <p14:creationId xmlns:p14="http://schemas.microsoft.com/office/powerpoint/2010/main" val="2884024860"/>
       </p:ext>
     </p:extLst>
   </p:cSld>
@@ -3863,16 +4136,282 @@
           <a:chExt cx="0" cy="0"/>
         </a:xfrm>
       </p:grpSpPr>
-      <p:sp>
-        <p:nvSpPr>
-          <p:cNvPr id="4" name="TextBox 3"/>
+      <p:pic>
+        <p:nvPicPr>
+          <p:cNvPr id="4" name="Picture 3"/>
+          <p:cNvPicPr>
+            <a:picLocks noChangeAspect="1"/>
+          </p:cNvPicPr>
+          <p:nvPr/>
+        </p:nvPicPr>
+        <p:blipFill>
+          <a:blip r:embed="rId2"/>
+          <a:stretch>
+            <a:fillRect/>
+          </a:stretch>
+        </p:blipFill>
+        <p:spPr>
+          <a:xfrm>
+            <a:off x="8182555" y="1221851"/>
+            <a:ext cx="3810000" cy="3810000"/>
+          </a:xfrm>
+          <a:prstGeom prst="rect">
+            <a:avLst/>
+          </a:prstGeom>
+        </p:spPr>
+      </p:pic>
+      <p:sp>
+        <p:nvSpPr>
+          <p:cNvPr id="5" name="Rectangle 4"/>
+          <p:cNvSpPr/>
+          <p:nvPr/>
+        </p:nvSpPr>
+        <p:spPr>
+          <a:xfrm>
+            <a:off x="174929" y="485030"/>
+            <a:ext cx="7625301" cy="5780598"/>
+          </a:xfrm>
+          <a:prstGeom prst="rect">
+            <a:avLst/>
+          </a:prstGeom>
+          <a:solidFill>
+            <a:srgbClr val="BED2B7"/>
+          </a:solidFill>
+          <a:ln>
+            <a:noFill/>
+          </a:ln>
+        </p:spPr>
+        <p:style>
+          <a:lnRef idx="2">
+            <a:schemeClr val="accent1">
+              <a:shade val="50000"/>
+            </a:schemeClr>
+          </a:lnRef>
+          <a:fillRef idx="1">
+            <a:schemeClr val="accent1"/>
+          </a:fillRef>
+          <a:effectRef idx="0">
+            <a:schemeClr val="accent1"/>
+          </a:effectRef>
+          <a:fontRef idx="minor">
+            <a:schemeClr val="lt1"/>
+          </a:fontRef>
+        </p:style>
+        <p:txBody>
+          <a:bodyPr rtlCol="0" anchor="ctr"/>
+          <a:lstStyle/>
+          <a:p>
+            <a:pPr algn="ctr"/>
+            <a:endParaRPr lang="en-PH"/>
+          </a:p>
+        </p:txBody>
+      </p:sp>
+      <p:sp>
+        <p:nvSpPr>
+          <p:cNvPr id="7" name="Rectangle 6"/>
+          <p:cNvSpPr/>
+          <p:nvPr/>
+        </p:nvSpPr>
+        <p:spPr>
+          <a:xfrm>
+            <a:off x="182880" y="492981"/>
+            <a:ext cx="7617350" cy="728870"/>
+          </a:xfrm>
+          <a:prstGeom prst="rect">
+            <a:avLst/>
+          </a:prstGeom>
+          <a:solidFill>
+            <a:srgbClr val="798776"/>
+          </a:solidFill>
+          <a:ln>
+            <a:noFill/>
+          </a:ln>
+        </p:spPr>
+        <p:style>
+          <a:lnRef idx="2">
+            <a:schemeClr val="accent1">
+              <a:shade val="50000"/>
+            </a:schemeClr>
+          </a:lnRef>
+          <a:fillRef idx="1">
+            <a:schemeClr val="accent1"/>
+          </a:fillRef>
+          <a:effectRef idx="0">
+            <a:schemeClr val="accent1"/>
+          </a:effectRef>
+          <a:fontRef idx="minor">
+            <a:schemeClr val="lt1"/>
+          </a:fontRef>
+        </p:style>
+        <p:txBody>
+          <a:bodyPr rtlCol="0" anchor="ctr"/>
+          <a:lstStyle/>
+          <a:p>
+            <a:pPr algn="ctr"/>
+            <a:r>
+              <a:rPr lang="en-US" dirty="0" smtClean="0"/>
+              <a:t>ABOUT US                VISIT US                  PROJECTS</a:t>
+            </a:r>
+            <a:endParaRPr lang="en-PH" dirty="0"/>
+          </a:p>
+        </p:txBody>
+      </p:sp>
+      <p:sp>
+        <p:nvSpPr>
+          <p:cNvPr id="8" name="Rectangle 7"/>
+          <p:cNvSpPr/>
+          <p:nvPr/>
+        </p:nvSpPr>
+        <p:spPr>
+          <a:xfrm>
+            <a:off x="182880" y="5536758"/>
+            <a:ext cx="7617350" cy="728870"/>
+          </a:xfrm>
+          <a:prstGeom prst="rect">
+            <a:avLst/>
+          </a:prstGeom>
+          <a:solidFill>
+            <a:srgbClr val="798776"/>
+          </a:solidFill>
+          <a:ln>
+            <a:noFill/>
+          </a:ln>
+        </p:spPr>
+        <p:style>
+          <a:lnRef idx="2">
+            <a:schemeClr val="accent1">
+              <a:shade val="50000"/>
+            </a:schemeClr>
+          </a:lnRef>
+          <a:fillRef idx="1">
+            <a:schemeClr val="accent1"/>
+          </a:fillRef>
+          <a:effectRef idx="0">
+            <a:schemeClr val="accent1"/>
+          </a:effectRef>
+          <a:fontRef idx="minor">
+            <a:schemeClr val="lt1"/>
+          </a:fontRef>
+        </p:style>
+        <p:txBody>
+          <a:bodyPr rtlCol="0" anchor="ctr"/>
+          <a:lstStyle/>
+          <a:p>
+            <a:pPr algn="ctr"/>
+            <a:endParaRPr lang="en-PH"/>
+          </a:p>
+        </p:txBody>
+      </p:sp>
+      <p:sp>
+        <p:nvSpPr>
+          <p:cNvPr id="10" name="Rectangle 9"/>
+          <p:cNvSpPr/>
+          <p:nvPr/>
+        </p:nvSpPr>
+        <p:spPr>
+          <a:xfrm>
+            <a:off x="262393" y="580445"/>
+            <a:ext cx="882595" cy="532738"/>
+          </a:xfrm>
+          <a:prstGeom prst="rect">
+            <a:avLst/>
+          </a:prstGeom>
+          <a:solidFill>
+            <a:srgbClr val="BED2B7"/>
+          </a:solidFill>
+          <a:ln>
+            <a:noFill/>
+          </a:ln>
+        </p:spPr>
+        <p:style>
+          <a:lnRef idx="2">
+            <a:schemeClr val="accent1">
+              <a:shade val="50000"/>
+            </a:schemeClr>
+          </a:lnRef>
+          <a:fillRef idx="1">
+            <a:schemeClr val="accent1"/>
+          </a:fillRef>
+          <a:effectRef idx="0">
+            <a:schemeClr val="accent1"/>
+          </a:effectRef>
+          <a:fontRef idx="minor">
+            <a:schemeClr val="lt1"/>
+          </a:fontRef>
+        </p:style>
+        <p:txBody>
+          <a:bodyPr rtlCol="0" anchor="ctr"/>
+          <a:lstStyle/>
+          <a:p>
+            <a:pPr algn="ctr"/>
+            <a:r>
+              <a:rPr lang="en-US" dirty="0" smtClean="0"/>
+              <a:t>LOGO</a:t>
+            </a:r>
+            <a:endParaRPr lang="en-PH" dirty="0"/>
+          </a:p>
+        </p:txBody>
+      </p:sp>
+      <p:sp>
+        <p:nvSpPr>
+          <p:cNvPr id="11" name="Rectangle 10"/>
+          <p:cNvSpPr/>
+          <p:nvPr/>
+        </p:nvSpPr>
+        <p:spPr>
+          <a:xfrm>
+            <a:off x="262393" y="1280160"/>
+            <a:ext cx="7458324" cy="2107096"/>
+          </a:xfrm>
+          <a:prstGeom prst="rect">
+            <a:avLst/>
+          </a:prstGeom>
+          <a:solidFill>
+            <a:srgbClr val="798776"/>
+          </a:solidFill>
+          <a:ln>
+            <a:noFill/>
+          </a:ln>
+        </p:spPr>
+        <p:style>
+          <a:lnRef idx="2">
+            <a:schemeClr val="accent1">
+              <a:shade val="50000"/>
+            </a:schemeClr>
+          </a:lnRef>
+          <a:fillRef idx="1">
+            <a:schemeClr val="accent1"/>
+          </a:fillRef>
+          <a:effectRef idx="0">
+            <a:schemeClr val="accent1"/>
+          </a:effectRef>
+          <a:fontRef idx="minor">
+            <a:schemeClr val="lt1"/>
+          </a:fontRef>
+        </p:style>
+        <p:txBody>
+          <a:bodyPr rtlCol="0" anchor="ctr"/>
+          <a:lstStyle/>
+          <a:p>
+            <a:pPr algn="ctr"/>
+            <a:r>
+              <a:rPr lang="en-US" dirty="0" smtClean="0"/>
+              <a:t>3 pictures showcasing the view of forest (carousel)</a:t>
+            </a:r>
+            <a:endParaRPr lang="en-PH" dirty="0"/>
+          </a:p>
+        </p:txBody>
+      </p:sp>
+      <p:sp>
+        <p:nvSpPr>
+          <p:cNvPr id="2" name="TextBox 1"/>
           <p:cNvSpPr txBox="1"/>
           <p:nvPr/>
         </p:nvSpPr>
         <p:spPr>
           <a:xfrm>
-            <a:off x="645015" y="309213"/>
-            <a:ext cx="11546985" cy="5632311"/>
+            <a:off x="8476087" y="1964376"/>
+            <a:ext cx="978025" cy="369332"/>
           </a:xfrm>
           <a:prstGeom prst="rect">
             <a:avLst/>
@@ -3880,300 +4419,148 @@
           <a:noFill/>
         </p:spPr>
         <p:txBody>
-          <a:bodyPr wrap="square" rtlCol="0">
+          <a:bodyPr wrap="none" rtlCol="0">
             <a:spAutoFit/>
           </a:bodyPr>
           <a:lstStyle/>
           <a:p>
             <a:r>
-              <a:rPr lang="en-PH" b="1" dirty="0">
-                <a:solidFill>
-                  <a:schemeClr val="accent6">
-                    <a:lumMod val="50000"/>
-                  </a:schemeClr>
-                </a:solidFill>
+              <a:rPr lang="en-PH" dirty="0" smtClean="0">
+                <a:effectLst>
+                  <a:glow rad="127000">
+                    <a:schemeClr val="bg1"/>
+                  </a:glow>
+                </a:effectLst>
               </a:rPr>
-              <a:t>About Us</a:t>
+              <a:t>#FAF1E4</a:t>
             </a:r>
             <a:endParaRPr lang="en-PH" dirty="0">
-              <a:solidFill>
-                <a:schemeClr val="accent6">
-                  <a:lumMod val="50000"/>
-                </a:schemeClr>
-              </a:solidFill>
+              <a:effectLst>
+                <a:glow rad="127000">
+                  <a:schemeClr val="bg1"/>
+                </a:glow>
+              </a:effectLst>
             </a:endParaRPr>
           </a:p>
+        </p:txBody>
+      </p:sp>
+      <p:sp>
+        <p:nvSpPr>
+          <p:cNvPr id="9" name="TextBox 8"/>
+          <p:cNvSpPr txBox="1"/>
+          <p:nvPr/>
+        </p:nvSpPr>
+        <p:spPr>
+          <a:xfrm>
+            <a:off x="8476088" y="3017924"/>
+            <a:ext cx="1058303" cy="369332"/>
+          </a:xfrm>
+          <a:prstGeom prst="rect">
+            <a:avLst/>
+          </a:prstGeom>
+          <a:noFill/>
+        </p:spPr>
+        <p:txBody>
+          <a:bodyPr wrap="none" rtlCol="0">
+            <a:spAutoFit/>
+          </a:bodyPr>
+          <a:lstStyle/>
           <a:p>
             <a:r>
               <a:rPr lang="en-PH" dirty="0">
-                <a:solidFill>
-                  <a:schemeClr val="accent6">
-                    <a:lumMod val="50000"/>
-                  </a:schemeClr>
-                </a:solidFill>
+                <a:effectLst>
+                  <a:glow rad="127000">
+                    <a:schemeClr val="bg1"/>
+                  </a:glow>
+                </a:effectLst>
               </a:rPr>
-              <a:t>Brief introduction to your local forest, its history, and significance.</a:t>
-            </a:r>
-          </a:p>
+              <a:t>#CEDEBD</a:t>
+            </a:r>
+          </a:p>
+        </p:txBody>
+      </p:sp>
+      <p:sp>
+        <p:nvSpPr>
+          <p:cNvPr id="12" name="TextBox 11"/>
+          <p:cNvSpPr txBox="1"/>
+          <p:nvPr/>
+        </p:nvSpPr>
+        <p:spPr>
+          <a:xfrm>
+            <a:off x="8476088" y="3881562"/>
+            <a:ext cx="1005403" cy="369332"/>
+          </a:xfrm>
+          <a:prstGeom prst="rect">
+            <a:avLst/>
+          </a:prstGeom>
+          <a:noFill/>
+          <a:effectLst>
+            <a:glow rad="63500">
+              <a:schemeClr val="accent1">
+                <a:satMod val="175000"/>
+                <a:alpha val="40000"/>
+              </a:schemeClr>
+            </a:glow>
+          </a:effectLst>
+        </p:spPr>
+        <p:txBody>
+          <a:bodyPr wrap="none" rtlCol="0">
+            <a:spAutoFit/>
+          </a:bodyPr>
+          <a:lstStyle/>
           <a:p>
             <a:r>
               <a:rPr lang="en-PH" dirty="0">
-                <a:solidFill>
-                  <a:schemeClr val="accent6">
-                    <a:lumMod val="50000"/>
-                  </a:schemeClr>
-                </a:solidFill>
+                <a:effectLst>
+                  <a:glow rad="127000">
+                    <a:schemeClr val="bg1"/>
+                  </a:glow>
+                </a:effectLst>
               </a:rPr>
-              <a:t>Mission and vision statement</a:t>
-            </a:r>
-            <a:r>
-              <a:rPr lang="en-PH" dirty="0" smtClean="0">
-                <a:solidFill>
-                  <a:schemeClr val="accent6">
-                    <a:lumMod val="50000"/>
-                  </a:schemeClr>
-                </a:solidFill>
+              <a:t>#9EB384</a:t>
+            </a:r>
+          </a:p>
+        </p:txBody>
+      </p:sp>
+      <p:sp>
+        <p:nvSpPr>
+          <p:cNvPr id="13" name="TextBox 12"/>
+          <p:cNvSpPr txBox="1"/>
+          <p:nvPr/>
+        </p:nvSpPr>
+        <p:spPr>
+          <a:xfrm>
+            <a:off x="8476088" y="4531120"/>
+            <a:ext cx="1002197" cy="369332"/>
+          </a:xfrm>
+          <a:prstGeom prst="rect">
+            <a:avLst/>
+          </a:prstGeom>
+          <a:noFill/>
+        </p:spPr>
+        <p:txBody>
+          <a:bodyPr wrap="none" rtlCol="0">
+            <a:spAutoFit/>
+          </a:bodyPr>
+          <a:lstStyle/>
+          <a:p>
+            <a:r>
+              <a:rPr lang="en-PH" dirty="0">
+                <a:effectLst>
+                  <a:glow rad="127000">
+                    <a:schemeClr val="bg1"/>
+                  </a:glow>
+                </a:effectLst>
               </a:rPr>
-              <a:t>.</a:t>
-            </a:r>
-          </a:p>
-          <a:p>
-            <a:endParaRPr lang="en-US" dirty="0">
-              <a:solidFill>
-                <a:schemeClr val="accent6">
-                  <a:lumMod val="50000"/>
-                </a:schemeClr>
-              </a:solidFill>
-            </a:endParaRPr>
-          </a:p>
-          <a:p>
-            <a:r>
-              <a:rPr lang="en-PH" b="1" dirty="0">
-                <a:solidFill>
-                  <a:schemeClr val="accent6">
-                    <a:lumMod val="50000"/>
-                  </a:schemeClr>
-                </a:solidFill>
-              </a:rPr>
-              <a:t>Visit Us</a:t>
-            </a:r>
-            <a:endParaRPr lang="en-PH" dirty="0">
-              <a:solidFill>
-                <a:schemeClr val="accent6">
-                  <a:lumMod val="50000"/>
-                </a:schemeClr>
-              </a:solidFill>
-            </a:endParaRPr>
-          </a:p>
-          <a:p>
-            <a:r>
-              <a:rPr lang="en-PH" dirty="0">
-                <a:solidFill>
-                  <a:schemeClr val="accent6">
-                    <a:lumMod val="50000"/>
-                  </a:schemeClr>
-                </a:solidFill>
-              </a:rPr>
-              <a:t>Information on how to reach the forest (including a map).</a:t>
-            </a:r>
-          </a:p>
-          <a:p>
-            <a:r>
-              <a:rPr lang="en-PH" dirty="0">
-                <a:solidFill>
-                  <a:schemeClr val="accent6">
-                    <a:lumMod val="50000"/>
-                  </a:schemeClr>
-                </a:solidFill>
-              </a:rPr>
-              <a:t>Hours of operation.</a:t>
-            </a:r>
-          </a:p>
-          <a:p>
-            <a:r>
-              <a:rPr lang="en-PH" dirty="0">
-                <a:solidFill>
-                  <a:schemeClr val="accent6">
-                    <a:lumMod val="50000"/>
-                  </a:schemeClr>
-                </a:solidFill>
-              </a:rPr>
-              <a:t>Admission fees (if applicable).</a:t>
-            </a:r>
-          </a:p>
-          <a:p>
-            <a:r>
-              <a:rPr lang="en-PH" dirty="0">
-                <a:solidFill>
-                  <a:schemeClr val="accent6">
-                    <a:lumMod val="50000"/>
-                  </a:schemeClr>
-                </a:solidFill>
-              </a:rPr>
-              <a:t>Parking and facilities</a:t>
-            </a:r>
-            <a:r>
-              <a:rPr lang="en-PH" dirty="0" smtClean="0">
-                <a:solidFill>
-                  <a:schemeClr val="accent6">
-                    <a:lumMod val="50000"/>
-                  </a:schemeClr>
-                </a:solidFill>
-              </a:rPr>
-              <a:t>.</a:t>
-            </a:r>
-          </a:p>
-          <a:p>
-            <a:endParaRPr lang="en-US" dirty="0">
-              <a:solidFill>
-                <a:schemeClr val="accent6">
-                  <a:lumMod val="50000"/>
-                </a:schemeClr>
-              </a:solidFill>
-            </a:endParaRPr>
-          </a:p>
-          <a:p>
-            <a:r>
-              <a:rPr lang="en-PH" b="1" dirty="0">
-                <a:solidFill>
-                  <a:schemeClr val="accent6">
-                    <a:lumMod val="50000"/>
-                  </a:schemeClr>
-                </a:solidFill>
-              </a:rPr>
-              <a:t>Contact Us Page:</a:t>
-            </a:r>
-            <a:endParaRPr lang="en-PH" dirty="0">
-              <a:solidFill>
-                <a:schemeClr val="accent6">
-                  <a:lumMod val="50000"/>
-                </a:schemeClr>
-              </a:solidFill>
-            </a:endParaRPr>
-          </a:p>
-          <a:p>
-            <a:r>
-              <a:rPr lang="en-PH" b="1" dirty="0">
-                <a:solidFill>
-                  <a:schemeClr val="accent6">
-                    <a:lumMod val="50000"/>
-                  </a:schemeClr>
-                </a:solidFill>
-              </a:rPr>
-              <a:t>Contact Information</a:t>
-            </a:r>
-            <a:endParaRPr lang="en-PH" dirty="0">
-              <a:solidFill>
-                <a:schemeClr val="accent6">
-                  <a:lumMod val="50000"/>
-                </a:schemeClr>
-              </a:solidFill>
-            </a:endParaRPr>
-          </a:p>
-          <a:p>
-            <a:pPr lvl="1"/>
-            <a:r>
-              <a:rPr lang="en-PH" dirty="0">
-                <a:solidFill>
-                  <a:schemeClr val="accent6">
-                    <a:lumMod val="50000"/>
-                  </a:schemeClr>
-                </a:solidFill>
-              </a:rPr>
-              <a:t>Mailing address, phone number, and email.</a:t>
-            </a:r>
-          </a:p>
-          <a:p>
-            <a:r>
-              <a:rPr lang="en-PH" b="1" dirty="0">
-                <a:solidFill>
-                  <a:schemeClr val="accent6">
-                    <a:lumMod val="50000"/>
-                  </a:schemeClr>
-                </a:solidFill>
-              </a:rPr>
-              <a:t>Feedback Form</a:t>
-            </a:r>
-            <a:endParaRPr lang="en-PH" dirty="0">
-              <a:solidFill>
-                <a:schemeClr val="accent6">
-                  <a:lumMod val="50000"/>
-                </a:schemeClr>
-              </a:solidFill>
-            </a:endParaRPr>
-          </a:p>
-          <a:p>
-            <a:pPr lvl="1"/>
-            <a:r>
-              <a:rPr lang="en-PH" dirty="0">
-                <a:solidFill>
-                  <a:schemeClr val="accent6">
-                    <a:lumMod val="50000"/>
-                  </a:schemeClr>
-                </a:solidFill>
-              </a:rPr>
-              <a:t>A form for visitors to submit feedback, questions, or inquiries.</a:t>
-            </a:r>
-          </a:p>
-          <a:p>
-            <a:r>
-              <a:rPr lang="en-PH" b="1" dirty="0">
-                <a:solidFill>
-                  <a:schemeClr val="accent6">
-                    <a:lumMod val="50000"/>
-                  </a:schemeClr>
-                </a:solidFill>
-              </a:rPr>
-              <a:t>Social Media Links</a:t>
-            </a:r>
-            <a:endParaRPr lang="en-PH" dirty="0">
-              <a:solidFill>
-                <a:schemeClr val="accent6">
-                  <a:lumMod val="50000"/>
-                </a:schemeClr>
-              </a:solidFill>
-            </a:endParaRPr>
-          </a:p>
-          <a:p>
-            <a:pPr lvl="1"/>
-            <a:r>
-              <a:rPr lang="en-PH" dirty="0">
-                <a:solidFill>
-                  <a:schemeClr val="accent6">
-                    <a:lumMod val="50000"/>
-                  </a:schemeClr>
-                </a:solidFill>
-              </a:rPr>
-              <a:t>Links to your forest's social media profiles (Facebook, Instagram, Twitter).</a:t>
-            </a:r>
-          </a:p>
-          <a:p>
-            <a:endParaRPr lang="en-PH" dirty="0" smtClean="0"/>
-          </a:p>
-          <a:p>
-            <a:endParaRPr lang="en-PH" dirty="0" smtClean="0">
-              <a:solidFill>
-                <a:schemeClr val="accent6">
-                  <a:lumMod val="50000"/>
-                </a:schemeClr>
-              </a:solidFill>
-            </a:endParaRPr>
-          </a:p>
-          <a:p>
-            <a:endParaRPr lang="en-PH" dirty="0">
-              <a:solidFill>
-                <a:schemeClr val="accent6">
-                  <a:lumMod val="50000"/>
-                </a:schemeClr>
-              </a:solidFill>
-            </a:endParaRPr>
+              <a:t>#435334</a:t>
+            </a:r>
           </a:p>
         </p:txBody>
       </p:sp>
     </p:spTree>
     <p:extLst>
       <p:ext uri="{BB962C8B-B14F-4D97-AF65-F5344CB8AC3E}">
-        <p14:creationId xmlns:p14="http://schemas.microsoft.com/office/powerpoint/2010/main" val="1589984844"/>
+        <p14:creationId xmlns:p14="http://schemas.microsoft.com/office/powerpoint/2010/main" val="1655655598"/>
       </p:ext>
     </p:extLst>
   </p:cSld>
@@ -4466,10 +4853,864 @@
           </a:p>
         </p:txBody>
       </p:sp>
+      <p:sp>
+        <p:nvSpPr>
+          <p:cNvPr id="2" name="TextBox 1"/>
+          <p:cNvSpPr txBox="1"/>
+          <p:nvPr/>
+        </p:nvSpPr>
+        <p:spPr>
+          <a:xfrm>
+            <a:off x="8476087" y="1964376"/>
+            <a:ext cx="978025" cy="369332"/>
+          </a:xfrm>
+          <a:prstGeom prst="rect">
+            <a:avLst/>
+          </a:prstGeom>
+          <a:noFill/>
+        </p:spPr>
+        <p:txBody>
+          <a:bodyPr wrap="none" rtlCol="0">
+            <a:spAutoFit/>
+          </a:bodyPr>
+          <a:lstStyle/>
+          <a:p>
+            <a:r>
+              <a:rPr lang="en-PH" dirty="0" smtClean="0">
+                <a:effectLst>
+                  <a:glow rad="127000">
+                    <a:schemeClr val="bg1"/>
+                  </a:glow>
+                </a:effectLst>
+              </a:rPr>
+              <a:t>#FAF1E4</a:t>
+            </a:r>
+            <a:endParaRPr lang="en-PH" dirty="0">
+              <a:effectLst>
+                <a:glow rad="127000">
+                  <a:schemeClr val="bg1"/>
+                </a:glow>
+              </a:effectLst>
+            </a:endParaRPr>
+          </a:p>
+        </p:txBody>
+      </p:sp>
+      <p:sp>
+        <p:nvSpPr>
+          <p:cNvPr id="9" name="TextBox 8"/>
+          <p:cNvSpPr txBox="1"/>
+          <p:nvPr/>
+        </p:nvSpPr>
+        <p:spPr>
+          <a:xfrm>
+            <a:off x="8476088" y="3017924"/>
+            <a:ext cx="1058303" cy="369332"/>
+          </a:xfrm>
+          <a:prstGeom prst="rect">
+            <a:avLst/>
+          </a:prstGeom>
+          <a:noFill/>
+        </p:spPr>
+        <p:txBody>
+          <a:bodyPr wrap="none" rtlCol="0">
+            <a:spAutoFit/>
+          </a:bodyPr>
+          <a:lstStyle/>
+          <a:p>
+            <a:r>
+              <a:rPr lang="en-PH" dirty="0">
+                <a:effectLst>
+                  <a:glow rad="127000">
+                    <a:schemeClr val="bg1"/>
+                  </a:glow>
+                </a:effectLst>
+              </a:rPr>
+              <a:t>#CEDEBD</a:t>
+            </a:r>
+          </a:p>
+        </p:txBody>
+      </p:sp>
+      <p:sp>
+        <p:nvSpPr>
+          <p:cNvPr id="12" name="TextBox 11"/>
+          <p:cNvSpPr txBox="1"/>
+          <p:nvPr/>
+        </p:nvSpPr>
+        <p:spPr>
+          <a:xfrm>
+            <a:off x="8476088" y="3881562"/>
+            <a:ext cx="1005403" cy="369332"/>
+          </a:xfrm>
+          <a:prstGeom prst="rect">
+            <a:avLst/>
+          </a:prstGeom>
+          <a:noFill/>
+          <a:effectLst>
+            <a:glow rad="63500">
+              <a:schemeClr val="accent1">
+                <a:satMod val="175000"/>
+                <a:alpha val="40000"/>
+              </a:schemeClr>
+            </a:glow>
+          </a:effectLst>
+        </p:spPr>
+        <p:txBody>
+          <a:bodyPr wrap="none" rtlCol="0">
+            <a:spAutoFit/>
+          </a:bodyPr>
+          <a:lstStyle/>
+          <a:p>
+            <a:r>
+              <a:rPr lang="en-PH" dirty="0">
+                <a:effectLst>
+                  <a:glow rad="127000">
+                    <a:schemeClr val="bg1"/>
+                  </a:glow>
+                </a:effectLst>
+              </a:rPr>
+              <a:t>#9EB384</a:t>
+            </a:r>
+          </a:p>
+        </p:txBody>
+      </p:sp>
+      <p:sp>
+        <p:nvSpPr>
+          <p:cNvPr id="13" name="TextBox 12"/>
+          <p:cNvSpPr txBox="1"/>
+          <p:nvPr/>
+        </p:nvSpPr>
+        <p:spPr>
+          <a:xfrm>
+            <a:off x="8476088" y="4531120"/>
+            <a:ext cx="1002197" cy="369332"/>
+          </a:xfrm>
+          <a:prstGeom prst="rect">
+            <a:avLst/>
+          </a:prstGeom>
+          <a:noFill/>
+        </p:spPr>
+        <p:txBody>
+          <a:bodyPr wrap="none" rtlCol="0">
+            <a:spAutoFit/>
+          </a:bodyPr>
+          <a:lstStyle/>
+          <a:p>
+            <a:r>
+              <a:rPr lang="en-PH" dirty="0">
+                <a:effectLst>
+                  <a:glow rad="127000">
+                    <a:schemeClr val="bg1"/>
+                  </a:glow>
+                </a:effectLst>
+              </a:rPr>
+              <a:t>#435334</a:t>
+            </a:r>
+          </a:p>
+        </p:txBody>
+      </p:sp>
     </p:spTree>
     <p:extLst>
       <p:ext uri="{BB962C8B-B14F-4D97-AF65-F5344CB8AC3E}">
-        <p14:creationId xmlns:p14="http://schemas.microsoft.com/office/powerpoint/2010/main" val="2884024860"/>
+        <p14:creationId xmlns:p14="http://schemas.microsoft.com/office/powerpoint/2010/main" val="2832384861"/>
+      </p:ext>
+    </p:extLst>
+  </p:cSld>
+  <p:clrMapOvr>
+    <a:masterClrMapping/>
+  </p:clrMapOvr>
+</p:sld>
+</file>
+
+<file path=ppt/slides/slide5.xml><?xml version="1.0" encoding="utf-8"?>
+<p:sld xmlns:a="http://schemas.openxmlformats.org/drawingml/2006/main" xmlns:r="http://schemas.openxmlformats.org/officeDocument/2006/relationships" xmlns:p="http://schemas.openxmlformats.org/presentationml/2006/main">
+  <p:cSld>
+    <p:spTree>
+      <p:nvGrpSpPr>
+        <p:cNvPr id="1" name=""/>
+        <p:cNvGrpSpPr/>
+        <p:nvPr/>
+      </p:nvGrpSpPr>
+      <p:grpSpPr>
+        <a:xfrm>
+          <a:off x="0" y="0"/>
+          <a:ext cx="0" cy="0"/>
+          <a:chOff x="0" y="0"/>
+          <a:chExt cx="0" cy="0"/>
+        </a:xfrm>
+      </p:grpSpPr>
+      <p:pic>
+        <p:nvPicPr>
+          <p:cNvPr id="4" name="Picture 3"/>
+          <p:cNvPicPr>
+            <a:picLocks noChangeAspect="1"/>
+          </p:cNvPicPr>
+          <p:nvPr/>
+        </p:nvPicPr>
+        <p:blipFill>
+          <a:blip r:embed="rId2"/>
+          <a:stretch>
+            <a:fillRect/>
+          </a:stretch>
+        </p:blipFill>
+        <p:spPr>
+          <a:xfrm>
+            <a:off x="0" y="0"/>
+            <a:ext cx="9601200" cy="6859910"/>
+          </a:xfrm>
+          <a:prstGeom prst="rect">
+            <a:avLst/>
+          </a:prstGeom>
+        </p:spPr>
+      </p:pic>
+      <p:pic>
+        <p:nvPicPr>
+          <p:cNvPr id="5" name="Picture 4"/>
+          <p:cNvPicPr>
+            <a:picLocks noChangeAspect="1"/>
+          </p:cNvPicPr>
+          <p:nvPr/>
+        </p:nvPicPr>
+        <p:blipFill>
+          <a:blip r:embed="rId3"/>
+          <a:stretch>
+            <a:fillRect/>
+          </a:stretch>
+        </p:blipFill>
+        <p:spPr>
+          <a:xfrm>
+            <a:off x="9792804" y="1866900"/>
+            <a:ext cx="2259495" cy="2314824"/>
+          </a:xfrm>
+          <a:prstGeom prst="rect">
+            <a:avLst/>
+          </a:prstGeom>
+        </p:spPr>
+      </p:pic>
+      <p:sp>
+        <p:nvSpPr>
+          <p:cNvPr id="6" name="TextBox 5"/>
+          <p:cNvSpPr txBox="1"/>
+          <p:nvPr/>
+        </p:nvSpPr>
+        <p:spPr>
+          <a:xfrm>
+            <a:off x="9935710" y="2269176"/>
+            <a:ext cx="986841" cy="369332"/>
+          </a:xfrm>
+          <a:prstGeom prst="rect">
+            <a:avLst/>
+          </a:prstGeom>
+          <a:noFill/>
+        </p:spPr>
+        <p:txBody>
+          <a:bodyPr wrap="square" rtlCol="0">
+            <a:spAutoFit/>
+          </a:bodyPr>
+          <a:lstStyle/>
+          <a:p>
+            <a:r>
+              <a:rPr lang="en-PH" dirty="0" smtClean="0">
+                <a:effectLst>
+                  <a:glow rad="127000">
+                    <a:schemeClr val="bg1"/>
+                  </a:glow>
+                </a:effectLst>
+              </a:rPr>
+              <a:t>#FAF1E4</a:t>
+            </a:r>
+            <a:endParaRPr lang="en-PH" dirty="0">
+              <a:effectLst>
+                <a:glow rad="127000">
+                  <a:schemeClr val="bg1"/>
+                </a:glow>
+              </a:effectLst>
+            </a:endParaRPr>
+          </a:p>
+        </p:txBody>
+      </p:sp>
+      <p:sp>
+        <p:nvSpPr>
+          <p:cNvPr id="7" name="TextBox 6"/>
+          <p:cNvSpPr txBox="1"/>
+          <p:nvPr/>
+        </p:nvSpPr>
+        <p:spPr>
+          <a:xfrm>
+            <a:off x="9935710" y="2856118"/>
+            <a:ext cx="1067843" cy="369332"/>
+          </a:xfrm>
+          <a:prstGeom prst="rect">
+            <a:avLst/>
+          </a:prstGeom>
+          <a:noFill/>
+        </p:spPr>
+        <p:txBody>
+          <a:bodyPr wrap="square" rtlCol="0">
+            <a:spAutoFit/>
+          </a:bodyPr>
+          <a:lstStyle/>
+          <a:p>
+            <a:r>
+              <a:rPr lang="en-PH" dirty="0">
+                <a:effectLst>
+                  <a:glow rad="127000">
+                    <a:schemeClr val="bg1"/>
+                  </a:glow>
+                </a:effectLst>
+              </a:rPr>
+              <a:t>#CEDEBD</a:t>
+            </a:r>
+          </a:p>
+        </p:txBody>
+      </p:sp>
+      <p:sp>
+        <p:nvSpPr>
+          <p:cNvPr id="8" name="TextBox 7"/>
+          <p:cNvSpPr txBox="1"/>
+          <p:nvPr/>
+        </p:nvSpPr>
+        <p:spPr>
+          <a:xfrm>
+            <a:off x="9989087" y="3443060"/>
+            <a:ext cx="1014466" cy="369332"/>
+          </a:xfrm>
+          <a:prstGeom prst="rect">
+            <a:avLst/>
+          </a:prstGeom>
+          <a:noFill/>
+          <a:effectLst>
+            <a:glow rad="63500">
+              <a:schemeClr val="accent1">
+                <a:satMod val="175000"/>
+                <a:alpha val="40000"/>
+              </a:schemeClr>
+            </a:glow>
+          </a:effectLst>
+        </p:spPr>
+        <p:txBody>
+          <a:bodyPr wrap="square" rtlCol="0">
+            <a:spAutoFit/>
+          </a:bodyPr>
+          <a:lstStyle/>
+          <a:p>
+            <a:r>
+              <a:rPr lang="en-PH" dirty="0">
+                <a:effectLst>
+                  <a:glow rad="127000">
+                    <a:schemeClr val="bg1"/>
+                  </a:glow>
+                </a:effectLst>
+              </a:rPr>
+              <a:t>#9EB384</a:t>
+            </a:r>
+          </a:p>
+        </p:txBody>
+      </p:sp>
+      <p:sp>
+        <p:nvSpPr>
+          <p:cNvPr id="9" name="TextBox 8"/>
+          <p:cNvSpPr txBox="1"/>
+          <p:nvPr/>
+        </p:nvSpPr>
+        <p:spPr>
+          <a:xfrm>
+            <a:off x="9992322" y="3812392"/>
+            <a:ext cx="1011231" cy="369332"/>
+          </a:xfrm>
+          <a:prstGeom prst="rect">
+            <a:avLst/>
+          </a:prstGeom>
+          <a:noFill/>
+        </p:spPr>
+        <p:txBody>
+          <a:bodyPr wrap="square" rtlCol="0">
+            <a:spAutoFit/>
+          </a:bodyPr>
+          <a:lstStyle/>
+          <a:p>
+            <a:r>
+              <a:rPr lang="en-PH" dirty="0">
+                <a:effectLst>
+                  <a:glow rad="127000">
+                    <a:schemeClr val="bg1"/>
+                  </a:glow>
+                </a:effectLst>
+              </a:rPr>
+              <a:t>#435334</a:t>
+            </a:r>
+          </a:p>
+        </p:txBody>
+      </p:sp>
+    </p:spTree>
+    <p:extLst>
+      <p:ext uri="{BB962C8B-B14F-4D97-AF65-F5344CB8AC3E}">
+        <p14:creationId xmlns:p14="http://schemas.microsoft.com/office/powerpoint/2010/main" val="2214233609"/>
+      </p:ext>
+    </p:extLst>
+  </p:cSld>
+  <p:clrMapOvr>
+    <a:masterClrMapping/>
+  </p:clrMapOvr>
+</p:sld>
+</file>
+
+<file path=ppt/slides/slide6.xml><?xml version="1.0" encoding="utf-8"?>
+<p:sld xmlns:a="http://schemas.openxmlformats.org/drawingml/2006/main" xmlns:r="http://schemas.openxmlformats.org/officeDocument/2006/relationships" xmlns:p="http://schemas.openxmlformats.org/presentationml/2006/main">
+  <p:cSld>
+    <p:spTree>
+      <p:nvGrpSpPr>
+        <p:cNvPr id="1" name=""/>
+        <p:cNvGrpSpPr/>
+        <p:nvPr/>
+      </p:nvGrpSpPr>
+      <p:grpSpPr>
+        <a:xfrm>
+          <a:off x="0" y="0"/>
+          <a:ext cx="0" cy="0"/>
+          <a:chOff x="0" y="0"/>
+          <a:chExt cx="0" cy="0"/>
+        </a:xfrm>
+      </p:grpSpPr>
+      <p:pic>
+        <p:nvPicPr>
+          <p:cNvPr id="4" name="Picture 3"/>
+          <p:cNvPicPr>
+            <a:picLocks noChangeAspect="1"/>
+          </p:cNvPicPr>
+          <p:nvPr/>
+        </p:nvPicPr>
+        <p:blipFill>
+          <a:blip r:embed="rId2"/>
+          <a:stretch>
+            <a:fillRect/>
+          </a:stretch>
+        </p:blipFill>
+        <p:spPr>
+          <a:xfrm>
+            <a:off x="0" y="0"/>
+            <a:ext cx="9630668" cy="6858000"/>
+          </a:xfrm>
+          <a:prstGeom prst="rect">
+            <a:avLst/>
+          </a:prstGeom>
+        </p:spPr>
+      </p:pic>
+      <p:pic>
+        <p:nvPicPr>
+          <p:cNvPr id="5" name="Picture 4"/>
+          <p:cNvPicPr>
+            <a:picLocks noChangeAspect="1"/>
+          </p:cNvPicPr>
+          <p:nvPr/>
+        </p:nvPicPr>
+        <p:blipFill>
+          <a:blip r:embed="rId3"/>
+          <a:stretch>
+            <a:fillRect/>
+          </a:stretch>
+        </p:blipFill>
+        <p:spPr>
+          <a:xfrm>
+            <a:off x="9792804" y="1866900"/>
+            <a:ext cx="2259495" cy="2314824"/>
+          </a:xfrm>
+          <a:prstGeom prst="rect">
+            <a:avLst/>
+          </a:prstGeom>
+        </p:spPr>
+      </p:pic>
+      <p:sp>
+        <p:nvSpPr>
+          <p:cNvPr id="6" name="TextBox 5"/>
+          <p:cNvSpPr txBox="1"/>
+          <p:nvPr/>
+        </p:nvSpPr>
+        <p:spPr>
+          <a:xfrm>
+            <a:off x="9935710" y="2269176"/>
+            <a:ext cx="986841" cy="369332"/>
+          </a:xfrm>
+          <a:prstGeom prst="rect">
+            <a:avLst/>
+          </a:prstGeom>
+          <a:noFill/>
+        </p:spPr>
+        <p:txBody>
+          <a:bodyPr wrap="square" rtlCol="0">
+            <a:spAutoFit/>
+          </a:bodyPr>
+          <a:lstStyle/>
+          <a:p>
+            <a:r>
+              <a:rPr lang="en-PH" dirty="0" smtClean="0">
+                <a:effectLst>
+                  <a:glow rad="127000">
+                    <a:schemeClr val="bg1"/>
+                  </a:glow>
+                </a:effectLst>
+              </a:rPr>
+              <a:t>#FAF1E4</a:t>
+            </a:r>
+            <a:endParaRPr lang="en-PH" dirty="0">
+              <a:effectLst>
+                <a:glow rad="127000">
+                  <a:schemeClr val="bg1"/>
+                </a:glow>
+              </a:effectLst>
+            </a:endParaRPr>
+          </a:p>
+        </p:txBody>
+      </p:sp>
+      <p:sp>
+        <p:nvSpPr>
+          <p:cNvPr id="7" name="TextBox 6"/>
+          <p:cNvSpPr txBox="1"/>
+          <p:nvPr/>
+        </p:nvSpPr>
+        <p:spPr>
+          <a:xfrm>
+            <a:off x="9935710" y="2856118"/>
+            <a:ext cx="1067843" cy="369332"/>
+          </a:xfrm>
+          <a:prstGeom prst="rect">
+            <a:avLst/>
+          </a:prstGeom>
+          <a:noFill/>
+        </p:spPr>
+        <p:txBody>
+          <a:bodyPr wrap="square" rtlCol="0">
+            <a:spAutoFit/>
+          </a:bodyPr>
+          <a:lstStyle/>
+          <a:p>
+            <a:r>
+              <a:rPr lang="en-PH" dirty="0">
+                <a:effectLst>
+                  <a:glow rad="127000">
+                    <a:schemeClr val="bg1"/>
+                  </a:glow>
+                </a:effectLst>
+              </a:rPr>
+              <a:t>#CEDEBD</a:t>
+            </a:r>
+          </a:p>
+        </p:txBody>
+      </p:sp>
+      <p:sp>
+        <p:nvSpPr>
+          <p:cNvPr id="8" name="TextBox 7"/>
+          <p:cNvSpPr txBox="1"/>
+          <p:nvPr/>
+        </p:nvSpPr>
+        <p:spPr>
+          <a:xfrm>
+            <a:off x="9989087" y="3443060"/>
+            <a:ext cx="1014466" cy="369332"/>
+          </a:xfrm>
+          <a:prstGeom prst="rect">
+            <a:avLst/>
+          </a:prstGeom>
+          <a:noFill/>
+          <a:effectLst>
+            <a:glow rad="63500">
+              <a:schemeClr val="accent1">
+                <a:satMod val="175000"/>
+                <a:alpha val="40000"/>
+              </a:schemeClr>
+            </a:glow>
+          </a:effectLst>
+        </p:spPr>
+        <p:txBody>
+          <a:bodyPr wrap="square" rtlCol="0">
+            <a:spAutoFit/>
+          </a:bodyPr>
+          <a:lstStyle/>
+          <a:p>
+            <a:r>
+              <a:rPr lang="en-PH" dirty="0">
+                <a:effectLst>
+                  <a:glow rad="127000">
+                    <a:schemeClr val="bg1"/>
+                  </a:glow>
+                </a:effectLst>
+              </a:rPr>
+              <a:t>#9EB384</a:t>
+            </a:r>
+          </a:p>
+        </p:txBody>
+      </p:sp>
+      <p:sp>
+        <p:nvSpPr>
+          <p:cNvPr id="9" name="TextBox 8"/>
+          <p:cNvSpPr txBox="1"/>
+          <p:nvPr/>
+        </p:nvSpPr>
+        <p:spPr>
+          <a:xfrm>
+            <a:off x="9992322" y="3812392"/>
+            <a:ext cx="1011231" cy="369332"/>
+          </a:xfrm>
+          <a:prstGeom prst="rect">
+            <a:avLst/>
+          </a:prstGeom>
+          <a:noFill/>
+        </p:spPr>
+        <p:txBody>
+          <a:bodyPr wrap="square" rtlCol="0">
+            <a:spAutoFit/>
+          </a:bodyPr>
+          <a:lstStyle/>
+          <a:p>
+            <a:r>
+              <a:rPr lang="en-PH" dirty="0">
+                <a:effectLst>
+                  <a:glow rad="127000">
+                    <a:schemeClr val="bg1"/>
+                  </a:glow>
+                </a:effectLst>
+              </a:rPr>
+              <a:t>#435334</a:t>
+            </a:r>
+          </a:p>
+        </p:txBody>
+      </p:sp>
+    </p:spTree>
+    <p:extLst>
+      <p:ext uri="{BB962C8B-B14F-4D97-AF65-F5344CB8AC3E}">
+        <p14:creationId xmlns:p14="http://schemas.microsoft.com/office/powerpoint/2010/main" val="1080207577"/>
+      </p:ext>
+    </p:extLst>
+  </p:cSld>
+  <p:clrMapOvr>
+    <a:masterClrMapping/>
+  </p:clrMapOvr>
+</p:sld>
+</file>
+
+<file path=ppt/slides/slide7.xml><?xml version="1.0" encoding="utf-8"?>
+<p:sld xmlns:a="http://schemas.openxmlformats.org/drawingml/2006/main" xmlns:r="http://schemas.openxmlformats.org/officeDocument/2006/relationships" xmlns:p="http://schemas.openxmlformats.org/presentationml/2006/main">
+  <p:cSld>
+    <p:spTree>
+      <p:nvGrpSpPr>
+        <p:cNvPr id="1" name=""/>
+        <p:cNvGrpSpPr/>
+        <p:nvPr/>
+      </p:nvGrpSpPr>
+      <p:grpSpPr>
+        <a:xfrm>
+          <a:off x="0" y="0"/>
+          <a:ext cx="0" cy="0"/>
+          <a:chOff x="0" y="0"/>
+          <a:chExt cx="0" cy="0"/>
+        </a:xfrm>
+      </p:grpSpPr>
+      <p:pic>
+        <p:nvPicPr>
+          <p:cNvPr id="4" name="Picture 3"/>
+          <p:cNvPicPr>
+            <a:picLocks noChangeAspect="1"/>
+          </p:cNvPicPr>
+          <p:nvPr/>
+        </p:nvPicPr>
+        <p:blipFill>
+          <a:blip r:embed="rId2"/>
+          <a:stretch>
+            <a:fillRect/>
+          </a:stretch>
+        </p:blipFill>
+        <p:spPr>
+          <a:xfrm>
+            <a:off x="0" y="0"/>
+            <a:ext cx="9603879" cy="6858000"/>
+          </a:xfrm>
+          <a:prstGeom prst="rect">
+            <a:avLst/>
+          </a:prstGeom>
+        </p:spPr>
+      </p:pic>
+      <p:pic>
+        <p:nvPicPr>
+          <p:cNvPr id="5" name="Picture 4"/>
+          <p:cNvPicPr>
+            <a:picLocks noChangeAspect="1"/>
+          </p:cNvPicPr>
+          <p:nvPr/>
+        </p:nvPicPr>
+        <p:blipFill>
+          <a:blip r:embed="rId3"/>
+          <a:stretch>
+            <a:fillRect/>
+          </a:stretch>
+        </p:blipFill>
+        <p:spPr>
+          <a:xfrm>
+            <a:off x="9792804" y="1866900"/>
+            <a:ext cx="2259495" cy="2314824"/>
+          </a:xfrm>
+          <a:prstGeom prst="rect">
+            <a:avLst/>
+          </a:prstGeom>
+        </p:spPr>
+      </p:pic>
+      <p:sp>
+        <p:nvSpPr>
+          <p:cNvPr id="6" name="TextBox 5"/>
+          <p:cNvSpPr txBox="1"/>
+          <p:nvPr/>
+        </p:nvSpPr>
+        <p:spPr>
+          <a:xfrm>
+            <a:off x="9935710" y="2269176"/>
+            <a:ext cx="986841" cy="369332"/>
+          </a:xfrm>
+          <a:prstGeom prst="rect">
+            <a:avLst/>
+          </a:prstGeom>
+          <a:noFill/>
+        </p:spPr>
+        <p:txBody>
+          <a:bodyPr wrap="square" rtlCol="0">
+            <a:spAutoFit/>
+          </a:bodyPr>
+          <a:lstStyle/>
+          <a:p>
+            <a:r>
+              <a:rPr lang="en-PH" dirty="0" smtClean="0">
+                <a:effectLst>
+                  <a:glow rad="127000">
+                    <a:schemeClr val="bg1"/>
+                  </a:glow>
+                </a:effectLst>
+              </a:rPr>
+              <a:t>#FAF1E4</a:t>
+            </a:r>
+            <a:endParaRPr lang="en-PH" dirty="0">
+              <a:effectLst>
+                <a:glow rad="127000">
+                  <a:schemeClr val="bg1"/>
+                </a:glow>
+              </a:effectLst>
+            </a:endParaRPr>
+          </a:p>
+        </p:txBody>
+      </p:sp>
+      <p:sp>
+        <p:nvSpPr>
+          <p:cNvPr id="7" name="TextBox 6"/>
+          <p:cNvSpPr txBox="1"/>
+          <p:nvPr/>
+        </p:nvSpPr>
+        <p:spPr>
+          <a:xfrm>
+            <a:off x="9935710" y="2856118"/>
+            <a:ext cx="1067843" cy="369332"/>
+          </a:xfrm>
+          <a:prstGeom prst="rect">
+            <a:avLst/>
+          </a:prstGeom>
+          <a:noFill/>
+        </p:spPr>
+        <p:txBody>
+          <a:bodyPr wrap="square" rtlCol="0">
+            <a:spAutoFit/>
+          </a:bodyPr>
+          <a:lstStyle/>
+          <a:p>
+            <a:r>
+              <a:rPr lang="en-PH" dirty="0">
+                <a:effectLst>
+                  <a:glow rad="127000">
+                    <a:schemeClr val="bg1"/>
+                  </a:glow>
+                </a:effectLst>
+              </a:rPr>
+              <a:t>#CEDEBD</a:t>
+            </a:r>
+          </a:p>
+        </p:txBody>
+      </p:sp>
+      <p:sp>
+        <p:nvSpPr>
+          <p:cNvPr id="8" name="TextBox 7"/>
+          <p:cNvSpPr txBox="1"/>
+          <p:nvPr/>
+        </p:nvSpPr>
+        <p:spPr>
+          <a:xfrm>
+            <a:off x="9989087" y="3443060"/>
+            <a:ext cx="1014466" cy="369332"/>
+          </a:xfrm>
+          <a:prstGeom prst="rect">
+            <a:avLst/>
+          </a:prstGeom>
+          <a:noFill/>
+          <a:effectLst>
+            <a:glow rad="63500">
+              <a:schemeClr val="accent1">
+                <a:satMod val="175000"/>
+                <a:alpha val="40000"/>
+              </a:schemeClr>
+            </a:glow>
+          </a:effectLst>
+        </p:spPr>
+        <p:txBody>
+          <a:bodyPr wrap="square" rtlCol="0">
+            <a:spAutoFit/>
+          </a:bodyPr>
+          <a:lstStyle/>
+          <a:p>
+            <a:r>
+              <a:rPr lang="en-PH" dirty="0">
+                <a:effectLst>
+                  <a:glow rad="127000">
+                    <a:schemeClr val="bg1"/>
+                  </a:glow>
+                </a:effectLst>
+              </a:rPr>
+              <a:t>#9EB384</a:t>
+            </a:r>
+          </a:p>
+        </p:txBody>
+      </p:sp>
+      <p:sp>
+        <p:nvSpPr>
+          <p:cNvPr id="9" name="TextBox 8"/>
+          <p:cNvSpPr txBox="1"/>
+          <p:nvPr/>
+        </p:nvSpPr>
+        <p:spPr>
+          <a:xfrm>
+            <a:off x="9992322" y="3812392"/>
+            <a:ext cx="1011231" cy="369332"/>
+          </a:xfrm>
+          <a:prstGeom prst="rect">
+            <a:avLst/>
+          </a:prstGeom>
+          <a:noFill/>
+        </p:spPr>
+        <p:txBody>
+          <a:bodyPr wrap="square" rtlCol="0">
+            <a:spAutoFit/>
+          </a:bodyPr>
+          <a:lstStyle/>
+          <a:p>
+            <a:r>
+              <a:rPr lang="en-PH" dirty="0">
+                <a:effectLst>
+                  <a:glow rad="127000">
+                    <a:schemeClr val="bg1"/>
+                  </a:glow>
+                </a:effectLst>
+              </a:rPr>
+              <a:t>#435334</a:t>
+            </a:r>
+          </a:p>
+        </p:txBody>
+      </p:sp>
+    </p:spTree>
+    <p:extLst>
+      <p:ext uri="{BB962C8B-B14F-4D97-AF65-F5344CB8AC3E}">
+        <p14:creationId xmlns:p14="http://schemas.microsoft.com/office/powerpoint/2010/main" val="450852076"/>
       </p:ext>
     </p:extLst>
   </p:cSld>
